--- a/Slides/diagrama-de-solucao.pptx
+++ b/Slides/diagrama-de-solucao.pptx
@@ -3815,7 +3815,7 @@
         </p:nvCxnSpPr>
         <p:spPr>
           <a:xfrm flipH="1">
-            <a:off x="879593" y="2289350"/>
+            <a:off x="888646" y="2312906"/>
             <a:ext cx="1" cy="430934"/>
           </a:xfrm>
           <a:prstGeom prst="straightConnector1">
@@ -4019,9 +4019,9 @@
         <p:grpSpPr>
           <a:xfrm>
             <a:off x="6391161" y="2210093"/>
-            <a:ext cx="1863339" cy="1674803"/>
+            <a:ext cx="1863339" cy="1921024"/>
             <a:chOff x="6391161" y="2210093"/>
-            <a:chExt cx="1863339" cy="1674803"/>
+            <a:chExt cx="1863339" cy="1921024"/>
           </a:xfrm>
         </p:grpSpPr>
         <p:pic>
@@ -4074,7 +4074,7 @@
           <p:spPr>
             <a:xfrm>
               <a:off x="6391161" y="3546342"/>
-              <a:ext cx="1748653" cy="338554"/>
+              <a:ext cx="1748653" cy="584775"/>
             </a:xfrm>
             <a:prstGeom prst="rect">
               <a:avLst/>
@@ -4092,7 +4092,7 @@
                 <a:rPr lang="pt-BR" sz="1600" dirty="0">
                   <a:latin typeface="Arial Rounded MT Bold" panose="020F0704030504030204" pitchFamily="34" charset="0"/>
                 </a:rPr>
-                <a:t>Nossa Equipe</a:t>
+                <a:t>Dados em Dashboard</a:t>
               </a:r>
             </a:p>
           </p:txBody>
@@ -4112,10 +4112,10 @@
         </p:nvGrpSpPr>
         <p:grpSpPr>
           <a:xfrm>
-            <a:off x="388089" y="1065438"/>
-            <a:ext cx="2261340" cy="1223912"/>
-            <a:chOff x="388089" y="1065438"/>
-            <a:chExt cx="2261340" cy="1223912"/>
+            <a:off x="397142" y="1088994"/>
+            <a:ext cx="2350371" cy="1223912"/>
+            <a:chOff x="397142" y="1088994"/>
+            <a:chExt cx="2350371" cy="1223912"/>
           </a:xfrm>
         </p:grpSpPr>
         <p:pic>
@@ -4139,7 +4139,7 @@
           </p:blipFill>
           <p:spPr bwMode="auto">
             <a:xfrm>
-              <a:off x="388089" y="1065438"/>
+              <a:off x="397142" y="1088994"/>
               <a:ext cx="983009" cy="1223912"/>
             </a:xfrm>
             <a:prstGeom prst="rect">
@@ -4165,7 +4165,7 @@
           </p:nvSpPr>
           <p:spPr>
             <a:xfrm>
-              <a:off x="900776" y="1579385"/>
+              <a:off x="998860" y="1508117"/>
               <a:ext cx="1748653" cy="338554"/>
             </a:xfrm>
             <a:prstGeom prst="rect">
@@ -4184,7 +4184,7 @@
                 <a:rPr lang="pt-BR" sz="1600" dirty="0">
                   <a:latin typeface="Arial Rounded MT Bold" panose="020F0704030504030204" pitchFamily="34" charset="0"/>
                 </a:rPr>
-                <a:t>Passageiro</a:t>
+                <a:t>Empresa</a:t>
               </a:r>
             </a:p>
           </p:txBody>
@@ -4205,9 +4205,9 @@
         <p:grpSpPr>
           <a:xfrm>
             <a:off x="2983927" y="2664893"/>
-            <a:ext cx="2345051" cy="1002267"/>
+            <a:ext cx="2523321" cy="1002267"/>
             <a:chOff x="2983927" y="2664893"/>
-            <a:chExt cx="2345051" cy="1002267"/>
+            <a:chExt cx="2523321" cy="1002267"/>
           </a:xfrm>
         </p:grpSpPr>
         <p:pic>
@@ -4259,8 +4259,8 @@
           </p:nvSpPr>
           <p:spPr>
             <a:xfrm>
-              <a:off x="3580326" y="3073959"/>
-              <a:ext cx="1748652" cy="338554"/>
+              <a:off x="3758596" y="3068601"/>
+              <a:ext cx="1748652" cy="584775"/>
             </a:xfrm>
             <a:prstGeom prst="rect">
               <a:avLst/>
@@ -4278,7 +4278,7 @@
                 <a:rPr lang="pt-BR" sz="1600" dirty="0">
                   <a:latin typeface="Arial Rounded MT Bold" panose="020F0704030504030204" pitchFamily="34" charset="0"/>
                 </a:rPr>
-                <a:t>Passageiro</a:t>
+                <a:t>Faz o download do programa</a:t>
               </a:r>
             </a:p>
           </p:txBody>
@@ -4299,9 +4299,9 @@
         <p:grpSpPr>
           <a:xfrm>
             <a:off x="2469042" y="5142856"/>
-            <a:ext cx="1748653" cy="1416421"/>
+            <a:ext cx="1748653" cy="1662642"/>
             <a:chOff x="2469042" y="5142856"/>
-            <a:chExt cx="1748653" cy="1416421"/>
+            <a:chExt cx="1748653" cy="1662642"/>
           </a:xfrm>
         </p:grpSpPr>
         <p:pic>
@@ -4354,7 +4354,7 @@
           <p:spPr>
             <a:xfrm>
               <a:off x="2469042" y="6220723"/>
-              <a:ext cx="1748653" cy="338554"/>
+              <a:ext cx="1748653" cy="584775"/>
             </a:xfrm>
             <a:prstGeom prst="rect">
               <a:avLst/>
@@ -4372,7 +4372,7 @@
                 <a:rPr lang="pt-BR" sz="1600" dirty="0">
                   <a:latin typeface="Arial Rounded MT Bold" panose="020F0704030504030204" pitchFamily="34" charset="0"/>
                 </a:rPr>
-                <a:t>Internet</a:t>
+                <a:t>Monitora o sistema</a:t>
               </a:r>
             </a:p>
           </p:txBody>
@@ -4481,9 +4481,9 @@
         <p:grpSpPr>
           <a:xfrm>
             <a:off x="8746764" y="3243236"/>
-            <a:ext cx="3551089" cy="1426033"/>
+            <a:ext cx="3606744" cy="1426033"/>
             <a:chOff x="8086111" y="2648219"/>
-            <a:chExt cx="3551089" cy="1426033"/>
+            <a:chExt cx="3606744" cy="1426033"/>
           </a:xfrm>
         </p:grpSpPr>
         <p:pic>
@@ -4535,8 +4535,8 @@
           </p:nvSpPr>
           <p:spPr>
             <a:xfrm>
-              <a:off x="9888547" y="2945736"/>
-              <a:ext cx="1748653" cy="584775"/>
+              <a:off x="9944202" y="2933736"/>
+              <a:ext cx="1748653" cy="830997"/>
             </a:xfrm>
             <a:prstGeom prst="rect">
               <a:avLst/>
@@ -4554,7 +4554,7 @@
                 <a:rPr lang="pt-BR" sz="1600" dirty="0">
                   <a:latin typeface="Arial Rounded MT Bold" panose="020F0704030504030204" pitchFamily="34" charset="0"/>
                 </a:rPr>
-                <a:t>Acesso p/ Usuários</a:t>
+                <a:t>Alertas em tempo real do totem</a:t>
               </a:r>
             </a:p>
           </p:txBody>
@@ -4610,9 +4610,9 @@
         <p:grpSpPr>
           <a:xfrm>
             <a:off x="8937824" y="5416214"/>
-            <a:ext cx="1748653" cy="1189183"/>
+            <a:ext cx="1748653" cy="1435404"/>
             <a:chOff x="9768266" y="5237138"/>
-            <a:chExt cx="1748653" cy="1189183"/>
+            <a:chExt cx="1748653" cy="1435404"/>
           </a:xfrm>
         </p:grpSpPr>
         <p:sp>
@@ -4624,7 +4624,7 @@
           <p:spPr>
             <a:xfrm>
               <a:off x="9768266" y="6087767"/>
-              <a:ext cx="1748653" cy="338554"/>
+              <a:ext cx="1748653" cy="584775"/>
             </a:xfrm>
             <a:prstGeom prst="rect">
               <a:avLst/>
@@ -4642,7 +4642,7 @@
                 <a:rPr lang="pt-BR" sz="1600" dirty="0">
                   <a:latin typeface="Arial Rounded MT Bold" panose="020F0704030504030204" pitchFamily="34" charset="0"/>
                 </a:rPr>
-                <a:t>Empresas</a:t>
+                <a:t>Rapidez no suporte</a:t>
               </a:r>
             </a:p>
           </p:txBody>
@@ -4768,9 +4768,9 @@
         <p:grpSpPr>
           <a:xfrm>
             <a:off x="43505" y="2592538"/>
-            <a:ext cx="2055003" cy="1259278"/>
+            <a:ext cx="2055003" cy="1505499"/>
             <a:chOff x="43505" y="2592538"/>
-            <a:chExt cx="2055003" cy="1259278"/>
+            <a:chExt cx="2055003" cy="1505499"/>
           </a:xfrm>
         </p:grpSpPr>
         <p:sp>
@@ -4782,7 +4782,7 @@
           <p:spPr>
             <a:xfrm>
               <a:off x="124534" y="3513262"/>
-              <a:ext cx="1748653" cy="338554"/>
+              <a:ext cx="1748653" cy="584775"/>
             </a:xfrm>
             <a:prstGeom prst="rect">
               <a:avLst/>
@@ -4800,7 +4800,7 @@
                 <a:rPr lang="pt-BR" sz="1600" dirty="0">
                   <a:latin typeface="Arial Rounded MT Bold" panose="020F0704030504030204" pitchFamily="34" charset="0"/>
                 </a:rPr>
-                <a:t>Ônibus Público </a:t>
+                <a:t>Contrata o serviço</a:t>
               </a:r>
             </a:p>
           </p:txBody>
@@ -4860,8 +4860,8 @@
         </p:nvCxnSpPr>
         <p:spPr>
           <a:xfrm flipV="1">
-            <a:off x="7222175" y="3884896"/>
-            <a:ext cx="43313" cy="1778621"/>
+            <a:off x="7222175" y="4131117"/>
+            <a:ext cx="43313" cy="1532400"/>
           </a:xfrm>
           <a:prstGeom prst="straightConnector1">
             <a:avLst/>
@@ -5700,9 +5700,9 @@
           <p:nvPr/>
         </p:nvCxnSpPr>
         <p:spPr>
-          <a:xfrm>
-            <a:off x="1148612" y="2006056"/>
-            <a:ext cx="0" cy="1081798"/>
+          <a:xfrm flipH="1">
+            <a:off x="1315456" y="2512498"/>
+            <a:ext cx="454" cy="434262"/>
           </a:xfrm>
           <a:prstGeom prst="straightConnector1">
             <a:avLst/>
@@ -5811,7 +5811,7 @@
                 <a:rPr lang="pt-BR" sz="1600" dirty="0">
                   <a:latin typeface="Arial Rounded MT Bold"/>
                 </a:rPr>
-                <a:t>Servidor de aplicação HTML/CSS/JS/BD SQL Server e NodeJS</a:t>
+                <a:t>Servidor de aplicação HTML/CSS/JS/BD Azure</a:t>
               </a:r>
               <a:endParaRPr lang="pt-BR" sz="1600" dirty="0">
                 <a:latin typeface="Arial Rounded MT Bold" panose="020F0704030504030204" pitchFamily="34" charset="0"/>
@@ -5902,7 +5902,7 @@
                 <a:rPr lang="pt-BR" sz="1600" dirty="0">
                   <a:latin typeface="Arial Rounded MT Bold" panose="020F0704030504030204" pitchFamily="34" charset="0"/>
                 </a:rPr>
-                <a:t>Acesso p/ Usuários</a:t>
+                <a:t>Alertas em tempo real</a:t>
               </a:r>
             </a:p>
           </p:txBody>
@@ -5919,9 +5919,9 @@
         <p:grpSpPr>
           <a:xfrm>
             <a:off x="161239" y="2969295"/>
-            <a:ext cx="2299618" cy="1841357"/>
+            <a:ext cx="2299618" cy="1595135"/>
             <a:chOff x="3184610" y="1766557"/>
-            <a:chExt cx="2887980" cy="2312474"/>
+            <a:chExt cx="2887980" cy="2003256"/>
           </a:xfrm>
         </p:grpSpPr>
         <p:grpSp>
@@ -6035,8 +6035,8 @@
           </p:nvSpPr>
           <p:spPr>
             <a:xfrm>
-              <a:off x="3766975" y="3035421"/>
-              <a:ext cx="1909877" cy="1043610"/>
+              <a:off x="3479662" y="3035421"/>
+              <a:ext cx="2197190" cy="734392"/>
             </a:xfrm>
             <a:prstGeom prst="rect">
               <a:avLst/>
@@ -6054,16 +6054,7 @@
                 <a:rPr lang="pt-BR" sz="1600" dirty="0">
                   <a:latin typeface="Arial Rounded MT Bold" panose="020F0704030504030204" pitchFamily="34" charset="0"/>
                 </a:rPr>
-                <a:t>Sensor TRCT-5000</a:t>
-              </a:r>
-            </a:p>
-            <a:p>
-              <a:pPr algn="ctr"/>
-              <a:r>
-                <a:rPr lang="pt-BR" sz="1600" dirty="0">
-                  <a:latin typeface="Arial Rounded MT Bold" panose="020F0704030504030204" pitchFamily="34" charset="0"/>
-                </a:rPr>
-                <a:t>Com Arduíno </a:t>
+                <a:t>Monitoramento do sistema</a:t>
               </a:r>
             </a:p>
           </p:txBody>
@@ -6078,9 +6069,9 @@
         <p:grpSpPr>
           <a:xfrm>
             <a:off x="9926286" y="5345201"/>
-            <a:ext cx="1748653" cy="1189183"/>
+            <a:ext cx="1748653" cy="1435404"/>
             <a:chOff x="9768266" y="5237138"/>
-            <a:chExt cx="1748653" cy="1189183"/>
+            <a:chExt cx="1748653" cy="1435404"/>
           </a:xfrm>
         </p:grpSpPr>
         <p:sp>
@@ -6092,7 +6083,7 @@
           <p:spPr>
             <a:xfrm>
               <a:off x="9768266" y="6087767"/>
-              <a:ext cx="1748653" cy="338554"/>
+              <a:ext cx="1748653" cy="584775"/>
             </a:xfrm>
             <a:prstGeom prst="rect">
               <a:avLst/>
@@ -6110,7 +6101,7 @@
                 <a:rPr lang="pt-BR" sz="1600" dirty="0">
                   <a:latin typeface="Arial Rounded MT Bold" panose="020F0704030504030204" pitchFamily="34" charset="0"/>
                 </a:rPr>
-                <a:t>Empresas</a:t>
+                <a:t>Rapidez no suporte</a:t>
               </a:r>
             </a:p>
           </p:txBody>
@@ -6212,7 +6203,7 @@
         </p:nvGrpSpPr>
         <p:grpSpPr>
           <a:xfrm>
-            <a:off x="5457783" y="5905957"/>
+            <a:off x="5340293" y="5902528"/>
             <a:ext cx="2239855" cy="1041444"/>
             <a:chOff x="5457783" y="5905957"/>
             <a:chExt cx="2239855" cy="1041444"/>
@@ -6281,10 +6272,10 @@
       </p:grpSp>
       <p:pic>
         <p:nvPicPr>
-          <p:cNvPr id="8" name="Picture 8" descr="Logo, company name&#10;&#10;Description automatically generated">
+          <p:cNvPr id="15" name="Imagem 14">
             <a:extLst>
               <a:ext uri="{FF2B5EF4-FFF2-40B4-BE49-F238E27FC236}">
-                <a16:creationId xmlns:a16="http://schemas.microsoft.com/office/drawing/2014/main" id="{883A9CC7-77FE-49F2-8CD7-D1E1841E1A08}"/>
+                <a16:creationId xmlns:a16="http://schemas.microsoft.com/office/drawing/2014/main" id="{D343CA40-1F1B-4CD5-AD2D-3045181E747D}"/>
               </a:ext>
             </a:extLst>
           </p:cNvPr>
@@ -6301,98 +6292,8 @@
         </p:blipFill>
         <p:spPr>
           <a:xfrm>
-            <a:off x="7686137" y="6054304"/>
-            <a:ext cx="888521" cy="730372"/>
-          </a:xfrm>
-          <a:prstGeom prst="rect">
-            <a:avLst/>
-          </a:prstGeom>
-        </p:spPr>
-      </p:pic>
-      <p:pic>
-        <p:nvPicPr>
-          <p:cNvPr id="12" name="Picture 12" descr="Icon&#10;&#10;Description automatically generated">
-            <a:extLst>
-              <a:ext uri="{FF2B5EF4-FFF2-40B4-BE49-F238E27FC236}">
-                <a16:creationId xmlns:a16="http://schemas.microsoft.com/office/drawing/2014/main" id="{1B878B81-5A05-4FD2-9FD0-49AA97A1C3F2}"/>
-              </a:ext>
-            </a:extLst>
-          </p:cNvPr>
-          <p:cNvPicPr>
-            <a:picLocks noChangeAspect="1"/>
-          </p:cNvPicPr>
-          <p:nvPr/>
-        </p:nvPicPr>
-        <p:blipFill>
-          <a:blip r:embed="rId11"/>
-          <a:stretch>
-            <a:fillRect/>
-          </a:stretch>
-        </p:blipFill>
-        <p:spPr>
-          <a:xfrm>
-            <a:off x="8520023" y="6025551"/>
-            <a:ext cx="744748" cy="730370"/>
-          </a:xfrm>
-          <a:prstGeom prst="rect">
-            <a:avLst/>
-          </a:prstGeom>
-        </p:spPr>
-      </p:pic>
-      <p:pic>
-        <p:nvPicPr>
-          <p:cNvPr id="15" name="Imagem 14">
-            <a:extLst>
-              <a:ext uri="{FF2B5EF4-FFF2-40B4-BE49-F238E27FC236}">
-                <a16:creationId xmlns:a16="http://schemas.microsoft.com/office/drawing/2014/main" id="{D343CA40-1F1B-4CD5-AD2D-3045181E747D}"/>
-              </a:ext>
-            </a:extLst>
-          </p:cNvPr>
-          <p:cNvPicPr>
-            <a:picLocks noChangeAspect="1"/>
-          </p:cNvPicPr>
-          <p:nvPr/>
-        </p:nvPicPr>
-        <p:blipFill>
-          <a:blip r:embed="rId12"/>
-          <a:stretch>
-            <a:fillRect/>
-          </a:stretch>
-        </p:blipFill>
-        <p:spPr>
-          <a:xfrm>
             <a:off x="2428248" y="4746146"/>
             <a:ext cx="2288876" cy="2009775"/>
-          </a:xfrm>
-          <a:prstGeom prst="rect">
-            <a:avLst/>
-          </a:prstGeom>
-        </p:spPr>
-      </p:pic>
-      <p:pic>
-        <p:nvPicPr>
-          <p:cNvPr id="24" name="Imagem 23">
-            <a:extLst>
-              <a:ext uri="{FF2B5EF4-FFF2-40B4-BE49-F238E27FC236}">
-                <a16:creationId xmlns:a16="http://schemas.microsoft.com/office/drawing/2014/main" id="{5ADB2A46-CE55-4B50-B4F7-8A3415870033}"/>
-              </a:ext>
-            </a:extLst>
-          </p:cNvPr>
-          <p:cNvPicPr>
-            <a:picLocks noChangeAspect="1"/>
-          </p:cNvPicPr>
-          <p:nvPr/>
-        </p:nvPicPr>
-        <p:blipFill>
-          <a:blip r:embed="rId13"/>
-          <a:stretch>
-            <a:fillRect/>
-          </a:stretch>
-        </p:blipFill>
-        <p:spPr>
-          <a:xfrm>
-            <a:off x="7084871" y="1520200"/>
-            <a:ext cx="1847850" cy="1914525"/>
           </a:xfrm>
           <a:prstGeom prst="rect">
             <a:avLst/>
@@ -6411,14 +6312,13 @@
           <p:cNvCxnSpPr>
             <a:cxnSpLocks/>
             <a:stCxn id="1042" idx="3"/>
-            <a:endCxn id="24" idx="2"/>
           </p:cNvCxnSpPr>
           <p:nvPr/>
         </p:nvCxnSpPr>
         <p:spPr>
           <a:xfrm flipV="1">
-            <a:off x="7939156" y="3434725"/>
-            <a:ext cx="69640" cy="1328252"/>
+            <a:off x="7939156" y="3623425"/>
+            <a:ext cx="66590" cy="1139552"/>
           </a:xfrm>
           <a:prstGeom prst="straightConnector1">
             <a:avLst/>
@@ -6597,101 +6497,44 @@
           </a:p>
         </p:txBody>
       </p:sp>
-      <p:grpSp>
-        <p:nvGrpSpPr>
-          <p:cNvPr id="2" name="Agrupar 1">
+      <p:sp>
+        <p:nvSpPr>
+          <p:cNvPr id="38" name="CaixaDeTexto 37">
             <a:extLst>
               <a:ext uri="{FF2B5EF4-FFF2-40B4-BE49-F238E27FC236}">
-                <a16:creationId xmlns:a16="http://schemas.microsoft.com/office/drawing/2014/main" id="{36794FC3-4A33-4518-B975-4F527D7205C0}"/>
+                <a16:creationId xmlns:a16="http://schemas.microsoft.com/office/drawing/2014/main" id="{9F594817-AD78-41B1-B05F-DF230A255C8E}"/>
               </a:ext>
             </a:extLst>
           </p:cNvPr>
-          <p:cNvGrpSpPr/>
+          <p:cNvSpPr txBox="1"/>
           <p:nvPr/>
-        </p:nvGrpSpPr>
-        <p:grpSpPr>
+        </p:nvSpPr>
+        <p:spPr>
           <a:xfrm>
-            <a:off x="193256" y="746778"/>
-            <a:ext cx="2055003" cy="1259278"/>
-            <a:chOff x="193256" y="746778"/>
-            <a:chExt cx="2055003" cy="1259278"/>
+            <a:off x="441129" y="1526408"/>
+            <a:ext cx="1749561" cy="830997"/>
           </a:xfrm>
-        </p:grpSpPr>
-        <p:sp>
-          <p:nvSpPr>
-            <p:cNvPr id="38" name="CaixaDeTexto 37">
-              <a:extLst>
-                <a:ext uri="{FF2B5EF4-FFF2-40B4-BE49-F238E27FC236}">
-                  <a16:creationId xmlns:a16="http://schemas.microsoft.com/office/drawing/2014/main" id="{9F594817-AD78-41B1-B05F-DF230A255C8E}"/>
-                </a:ext>
-              </a:extLst>
-            </p:cNvPr>
-            <p:cNvSpPr txBox="1"/>
-            <p:nvPr/>
-          </p:nvSpPr>
-          <p:spPr>
-            <a:xfrm>
-              <a:off x="274285" y="1667502"/>
-              <a:ext cx="1748653" cy="338554"/>
-            </a:xfrm>
-            <a:prstGeom prst="rect">
-              <a:avLst/>
-            </a:prstGeom>
-            <a:noFill/>
-          </p:spPr>
-          <p:txBody>
-            <a:bodyPr wrap="square" rtlCol="0">
-              <a:spAutoFit/>
-            </a:bodyPr>
-            <a:lstStyle/>
-            <a:p>
-              <a:pPr algn="ctr"/>
-              <a:r>
-                <a:rPr lang="pt-BR" sz="1600" dirty="0">
-                  <a:latin typeface="Arial Rounded MT Bold" panose="020F0704030504030204" pitchFamily="34" charset="0"/>
-                </a:rPr>
-                <a:t>Ônibus</a:t>
-              </a:r>
-            </a:p>
-          </p:txBody>
-        </p:sp>
-        <p:pic>
-          <p:nvPicPr>
-            <p:cNvPr id="39" name="Imagem 38">
-              <a:extLst>
-                <a:ext uri="{FF2B5EF4-FFF2-40B4-BE49-F238E27FC236}">
-                  <a16:creationId xmlns:a16="http://schemas.microsoft.com/office/drawing/2014/main" id="{42171E42-3502-49C8-AC92-94C703B6A221}"/>
-                </a:ext>
-              </a:extLst>
-            </p:cNvPr>
-            <p:cNvPicPr>
-              <a:picLocks noChangeAspect="1"/>
-            </p:cNvPicPr>
-            <p:nvPr/>
-          </p:nvPicPr>
-          <p:blipFill>
-            <a:blip r:embed="rId14">
-              <a:extLst>
-                <a:ext uri="{28A0092B-C50C-407E-A947-70E740481C1C}">
-                  <a14:useLocalDpi xmlns:a14="http://schemas.microsoft.com/office/drawing/2010/main" val="0"/>
-                </a:ext>
-              </a:extLst>
-            </a:blip>
-            <a:stretch>
-              <a:fillRect/>
-            </a:stretch>
-          </p:blipFill>
-          <p:spPr>
-            <a:xfrm>
-              <a:off x="193256" y="746778"/>
-              <a:ext cx="2055003" cy="1146978"/>
-            </a:xfrm>
-            <a:prstGeom prst="rect">
-              <a:avLst/>
-            </a:prstGeom>
-          </p:spPr>
-        </p:pic>
-      </p:grpSp>
+          <a:prstGeom prst="rect">
+            <a:avLst/>
+          </a:prstGeom>
+          <a:noFill/>
+        </p:spPr>
+        <p:txBody>
+          <a:bodyPr wrap="square" rtlCol="0">
+            <a:spAutoFit/>
+          </a:bodyPr>
+          <a:lstStyle/>
+          <a:p>
+            <a:pPr algn="ctr"/>
+            <a:r>
+              <a:rPr lang="pt-BR" sz="1600" dirty="0">
+                <a:latin typeface="Arial Rounded MT Bold" panose="020F0704030504030204" pitchFamily="34" charset="0"/>
+              </a:rPr>
+              <a:t>Programa executável em Java Swing</a:t>
+            </a:r>
+          </a:p>
+        </p:txBody>
+      </p:sp>
       <p:cxnSp>
         <p:nvCxnSpPr>
           <p:cNvPr id="36" name="Conector de Seta Reta 35"/>
@@ -6702,8 +6545,8 @@
         </p:nvCxnSpPr>
         <p:spPr>
           <a:xfrm flipV="1">
-            <a:off x="4717124" y="4816277"/>
-            <a:ext cx="1743097" cy="339642"/>
+            <a:off x="4717124" y="4888871"/>
+            <a:ext cx="1500050" cy="267048"/>
           </a:xfrm>
           <a:prstGeom prst="straightConnector1">
             <a:avLst/>
@@ -6732,6 +6575,206 @@
           </a:fontRef>
         </p:style>
       </p:cxnSp>
+      <p:grpSp>
+        <p:nvGrpSpPr>
+          <p:cNvPr id="34" name="Agrupar 33">
+            <a:extLst>
+              <a:ext uri="{FF2B5EF4-FFF2-40B4-BE49-F238E27FC236}">
+                <a16:creationId xmlns:a16="http://schemas.microsoft.com/office/drawing/2014/main" id="{E8DFE88C-2AB0-4A17-9D61-F2E7C67BEBB8}"/>
+              </a:ext>
+            </a:extLst>
+          </p:cNvPr>
+          <p:cNvGrpSpPr/>
+          <p:nvPr/>
+        </p:nvGrpSpPr>
+        <p:grpSpPr>
+          <a:xfrm>
+            <a:off x="7198729" y="1186130"/>
+            <a:ext cx="1863339" cy="2413467"/>
+            <a:chOff x="6391161" y="2210093"/>
+            <a:chExt cx="1863339" cy="2413467"/>
+          </a:xfrm>
+        </p:grpSpPr>
+        <p:pic>
+          <p:nvPicPr>
+            <p:cNvPr id="40" name="Picture 20" descr="Fornecedores - Digitalize seu negócio e seja um fornecedor iBench Market">
+              <a:extLst>
+                <a:ext uri="{FF2B5EF4-FFF2-40B4-BE49-F238E27FC236}">
+                  <a16:creationId xmlns:a16="http://schemas.microsoft.com/office/drawing/2014/main" id="{28043369-E7F5-4F05-88CE-052209855D9D}"/>
+                </a:ext>
+              </a:extLst>
+            </p:cNvPr>
+            <p:cNvPicPr>
+              <a:picLocks noChangeAspect="1" noChangeArrowheads="1"/>
+            </p:cNvPicPr>
+            <p:nvPr/>
+          </p:nvPicPr>
+          <p:blipFill>
+            <a:blip r:embed="rId11" cstate="hqprint">
+              <a:extLst>
+                <a:ext uri="{28A0092B-C50C-407E-A947-70E740481C1C}">
+                  <a14:useLocalDpi xmlns:a14="http://schemas.microsoft.com/office/drawing/2010/main" val="0"/>
+                </a:ext>
+              </a:extLst>
+            </a:blip>
+            <a:srcRect/>
+            <a:stretch>
+              <a:fillRect/>
+            </a:stretch>
+          </p:blipFill>
+          <p:spPr bwMode="auto">
+            <a:xfrm>
+              <a:off x="6445967" y="2210093"/>
+              <a:ext cx="1808533" cy="1237841"/>
+            </a:xfrm>
+            <a:prstGeom prst="rect">
+              <a:avLst/>
+            </a:prstGeom>
+            <a:noFill/>
+            <a:extLst>
+              <a:ext uri="{909E8E84-426E-40DD-AFC4-6F175D3DCCD1}">
+                <a14:hiddenFill xmlns:a14="http://schemas.microsoft.com/office/drawing/2010/main">
+                  <a:solidFill>
+                    <a:srgbClr val="FFFFFF"/>
+                  </a:solidFill>
+                </a14:hiddenFill>
+              </a:ext>
+            </a:extLst>
+          </p:spPr>
+        </p:pic>
+        <p:sp>
+          <p:nvSpPr>
+            <p:cNvPr id="42" name="CaixaDeTexto 41">
+              <a:extLst>
+                <a:ext uri="{FF2B5EF4-FFF2-40B4-BE49-F238E27FC236}">
+                  <a16:creationId xmlns:a16="http://schemas.microsoft.com/office/drawing/2014/main" id="{A74789D8-8595-4D7C-94B3-01E3DEFAFE3B}"/>
+                </a:ext>
+              </a:extLst>
+            </p:cNvPr>
+            <p:cNvSpPr txBox="1"/>
+            <p:nvPr/>
+          </p:nvSpPr>
+          <p:spPr>
+            <a:xfrm>
+              <a:off x="6391161" y="3546342"/>
+              <a:ext cx="1748653" cy="1077218"/>
+            </a:xfrm>
+            <a:prstGeom prst="rect">
+              <a:avLst/>
+            </a:prstGeom>
+            <a:noFill/>
+          </p:spPr>
+          <p:txBody>
+            <a:bodyPr wrap="square" rtlCol="0">
+              <a:spAutoFit/>
+            </a:bodyPr>
+            <a:lstStyle/>
+            <a:p>
+              <a:pPr algn="ctr"/>
+              <a:r>
+                <a:rPr lang="pt-BR" sz="1600" dirty="0">
+                  <a:latin typeface="Arial Rounded MT Bold" panose="020F0704030504030204" pitchFamily="34" charset="0"/>
+                </a:rPr>
+                <a:t>Dashboard com dados de CPU, RAM, Logs de processos...</a:t>
+              </a:r>
+            </a:p>
+          </p:txBody>
+        </p:sp>
+      </p:grpSp>
+      <p:pic>
+        <p:nvPicPr>
+          <p:cNvPr id="1026" name="Picture 2" descr="Download Microsoft Azure (Windows Azure) Logo in SVG Vector or PNG File  Format - Logo.wine">
+            <a:extLst>
+              <a:ext uri="{FF2B5EF4-FFF2-40B4-BE49-F238E27FC236}">
+                <a16:creationId xmlns:a16="http://schemas.microsoft.com/office/drawing/2014/main" id="{58295498-B668-4846-9BC9-75FCE321925E}"/>
+              </a:ext>
+            </a:extLst>
+          </p:cNvPr>
+          <p:cNvPicPr>
+            <a:picLocks noChangeAspect="1" noChangeArrowheads="1"/>
+          </p:cNvPicPr>
+          <p:nvPr/>
+        </p:nvPicPr>
+        <p:blipFill>
+          <a:blip r:embed="rId12">
+            <a:extLst>
+              <a:ext uri="{28A0092B-C50C-407E-A947-70E740481C1C}">
+                <a14:useLocalDpi xmlns:a14="http://schemas.microsoft.com/office/drawing/2010/main" val="0"/>
+              </a:ext>
+            </a:extLst>
+          </a:blip>
+          <a:srcRect/>
+          <a:stretch>
+            <a:fillRect/>
+          </a:stretch>
+        </p:blipFill>
+        <p:spPr bwMode="auto">
+          <a:xfrm>
+            <a:off x="7499029" y="5980633"/>
+            <a:ext cx="1262741" cy="841827"/>
+          </a:xfrm>
+          <a:prstGeom prst="rect">
+            <a:avLst/>
+          </a:prstGeom>
+          <a:noFill/>
+          <a:extLst>
+            <a:ext uri="{909E8E84-426E-40DD-AFC4-6F175D3DCCD1}">
+              <a14:hiddenFill xmlns:a14="http://schemas.microsoft.com/office/drawing/2010/main">
+                <a:solidFill>
+                  <a:srgbClr val="FFFFFF"/>
+                </a:solidFill>
+              </a14:hiddenFill>
+            </a:ext>
+          </a:extLst>
+        </p:spPr>
+      </p:pic>
+      <p:pic>
+        <p:nvPicPr>
+          <p:cNvPr id="1028" name="Picture 4" descr="techhubsolutions.in/wp-content/uploads/2020/05/...">
+            <a:extLst>
+              <a:ext uri="{FF2B5EF4-FFF2-40B4-BE49-F238E27FC236}">
+                <a16:creationId xmlns:a16="http://schemas.microsoft.com/office/drawing/2014/main" id="{089AEA6A-BA4D-4380-ACA4-B4B90CCBB689}"/>
+              </a:ext>
+            </a:extLst>
+          </p:cNvPr>
+          <p:cNvPicPr>
+            <a:picLocks noChangeAspect="1" noChangeArrowheads="1"/>
+          </p:cNvPicPr>
+          <p:nvPr/>
+        </p:nvPicPr>
+        <p:blipFill>
+          <a:blip r:embed="rId13">
+            <a:extLst>
+              <a:ext uri="{28A0092B-C50C-407E-A947-70E740481C1C}">
+                <a14:useLocalDpi xmlns:a14="http://schemas.microsoft.com/office/drawing/2010/main" val="0"/>
+              </a:ext>
+            </a:extLst>
+          </a:blip>
+          <a:srcRect/>
+          <a:stretch>
+            <a:fillRect/>
+          </a:stretch>
+        </p:blipFill>
+        <p:spPr bwMode="auto">
+          <a:xfrm>
+            <a:off x="152485" y="263354"/>
+            <a:ext cx="2308372" cy="1298459"/>
+          </a:xfrm>
+          <a:prstGeom prst="rect">
+            <a:avLst/>
+          </a:prstGeom>
+          <a:noFill/>
+          <a:extLst>
+            <a:ext uri="{909E8E84-426E-40DD-AFC4-6F175D3DCCD1}">
+              <a14:hiddenFill xmlns:a14="http://schemas.microsoft.com/office/drawing/2010/main">
+                <a:solidFill>
+                  <a:srgbClr val="FFFFFF"/>
+                </a:solidFill>
+              </a14:hiddenFill>
+            </a:ext>
+          </a:extLst>
+        </p:spPr>
+      </p:pic>
     </p:spTree>
     <p:extLst>
       <p:ext uri="{BB962C8B-B14F-4D97-AF65-F5344CB8AC3E}">
@@ -6776,7 +6819,7 @@
                                           </p:stCondLst>
                                         </p:cTn>
                                         <p:tgtEl>
-                                          <p:spTgt spid="2"/>
+                                          <p:spTgt spid="10"/>
                                         </p:tgtEl>
                                         <p:attrNameLst>
                                           <p:attrName>style.visibility</p:attrName>
@@ -6790,59 +6833,6 @@
                                       <p:cBhvr>
                                         <p:cTn id="7" dur="500"/>
                                         <p:tgtEl>
-                                          <p:spTgt spid="2"/>
-                                        </p:tgtEl>
-                                      </p:cBhvr>
-                                    </p:animEffect>
-                                  </p:childTnLst>
-                                </p:cTn>
-                              </p:par>
-                            </p:childTnLst>
-                          </p:cTn>
-                        </p:par>
-                      </p:childTnLst>
-                    </p:cTn>
-                  </p:par>
-                  <p:par>
-                    <p:cTn id="8" fill="hold">
-                      <p:stCondLst>
-                        <p:cond delay="indefinite"/>
-                      </p:stCondLst>
-                      <p:childTnLst>
-                        <p:par>
-                          <p:cTn id="9" fill="hold">
-                            <p:stCondLst>
-                              <p:cond delay="0"/>
-                            </p:stCondLst>
-                            <p:childTnLst>
-                              <p:par>
-                                <p:cTn id="10" presetID="10" presetClass="entr" presetSubtype="0" fill="hold" nodeType="clickEffect">
-                                  <p:stCondLst>
-                                    <p:cond delay="0"/>
-                                  </p:stCondLst>
-                                  <p:childTnLst>
-                                    <p:set>
-                                      <p:cBhvr>
-                                        <p:cTn id="11" dur="1" fill="hold">
-                                          <p:stCondLst>
-                                            <p:cond delay="0"/>
-                                          </p:stCondLst>
-                                        </p:cTn>
-                                        <p:tgtEl>
-                                          <p:spTgt spid="10"/>
-                                        </p:tgtEl>
-                                        <p:attrNameLst>
-                                          <p:attrName>style.visibility</p:attrName>
-                                        </p:attrNameLst>
-                                      </p:cBhvr>
-                                      <p:to>
-                                        <p:strVal val="visible"/>
-                                      </p:to>
-                                    </p:set>
-                                    <p:animEffect transition="in" filter="fade">
-                                      <p:cBhvr>
-                                        <p:cTn id="12" dur="500"/>
-                                        <p:tgtEl>
                                           <p:spTgt spid="10"/>
                                         </p:tgtEl>
                                       </p:cBhvr>
@@ -6854,20 +6844,20 @@
                           </p:cTn>
                         </p:par>
                         <p:par>
-                          <p:cTn id="13" fill="hold">
+                          <p:cTn id="8" fill="hold">
                             <p:stCondLst>
                               <p:cond delay="500"/>
                             </p:stCondLst>
                             <p:childTnLst>
                               <p:par>
-                                <p:cTn id="14" presetID="10" presetClass="entr" presetSubtype="0" fill="hold" nodeType="afterEffect">
+                                <p:cTn id="9" presetID="10" presetClass="entr" presetSubtype="0" fill="hold" nodeType="afterEffect">
                                   <p:stCondLst>
                                     <p:cond delay="0"/>
                                   </p:stCondLst>
                                   <p:childTnLst>
                                     <p:set>
                                       <p:cBhvr>
-                                        <p:cTn id="15" dur="1" fill="hold">
+                                        <p:cTn id="10" dur="1" fill="hold">
                                           <p:stCondLst>
                                             <p:cond delay="0"/>
                                           </p:stCondLst>
@@ -6885,7 +6875,7 @@
                                     </p:set>
                                     <p:animEffect transition="in" filter="fade">
                                       <p:cBhvr>
-                                        <p:cTn id="16" dur="500"/>
+                                        <p:cTn id="11" dur="500"/>
                                         <p:tgtEl>
                                           <p:spTgt spid="49"/>
                                         </p:tgtEl>
@@ -6901,26 +6891,26 @@
                     </p:cTn>
                   </p:par>
                   <p:par>
-                    <p:cTn id="17" fill="hold">
+                    <p:cTn id="12" fill="hold">
                       <p:stCondLst>
                         <p:cond delay="indefinite"/>
                       </p:stCondLst>
                       <p:childTnLst>
                         <p:par>
-                          <p:cTn id="18" fill="hold">
+                          <p:cTn id="13" fill="hold">
                             <p:stCondLst>
                               <p:cond delay="0"/>
                             </p:stCondLst>
                             <p:childTnLst>
                               <p:par>
-                                <p:cTn id="19" presetID="10" presetClass="entr" presetSubtype="0" fill="hold" nodeType="clickEffect">
+                                <p:cTn id="14" presetID="10" presetClass="entr" presetSubtype="0" fill="hold" nodeType="clickEffect">
                                   <p:stCondLst>
                                     <p:cond delay="0"/>
                                   </p:stCondLst>
                                   <p:childTnLst>
                                     <p:set>
                                       <p:cBhvr>
-                                        <p:cTn id="20" dur="1" fill="hold">
+                                        <p:cTn id="15" dur="1" fill="hold">
                                           <p:stCondLst>
                                             <p:cond delay="0"/>
                                           </p:stCondLst>
@@ -6938,7 +6928,7 @@
                                     </p:set>
                                     <p:animEffect transition="in" filter="fade">
                                       <p:cBhvr>
-                                        <p:cTn id="21" dur="500"/>
+                                        <p:cTn id="16" dur="500"/>
                                         <p:tgtEl>
                                           <p:spTgt spid="41"/>
                                         </p:tgtEl>
@@ -6951,20 +6941,20 @@
                           </p:cTn>
                         </p:par>
                         <p:par>
-                          <p:cTn id="22" fill="hold">
+                          <p:cTn id="17" fill="hold">
                             <p:stCondLst>
                               <p:cond delay="500"/>
                             </p:stCondLst>
                             <p:childTnLst>
                               <p:par>
-                                <p:cTn id="23" presetID="10" presetClass="entr" presetSubtype="0" fill="hold" nodeType="afterEffect">
+                                <p:cTn id="18" presetID="10" presetClass="entr" presetSubtype="0" fill="hold" nodeType="afterEffect">
                                   <p:stCondLst>
                                     <p:cond delay="0"/>
                                   </p:stCondLst>
                                   <p:childTnLst>
                                     <p:set>
                                       <p:cBhvr>
-                                        <p:cTn id="24" dur="1" fill="hold">
+                                        <p:cTn id="19" dur="1" fill="hold">
                                           <p:stCondLst>
                                             <p:cond delay="0"/>
                                           </p:stCondLst>
@@ -6982,7 +6972,7 @@
                                     </p:set>
                                     <p:animEffect transition="in" filter="fade">
                                       <p:cBhvr>
-                                        <p:cTn id="25" dur="500"/>
+                                        <p:cTn id="20" dur="500"/>
                                         <p:tgtEl>
                                           <p:spTgt spid="15"/>
                                         </p:tgtEl>
@@ -6998,26 +6988,26 @@
                     </p:cTn>
                   </p:par>
                   <p:par>
-                    <p:cTn id="26" fill="hold">
+                    <p:cTn id="21" fill="hold">
                       <p:stCondLst>
                         <p:cond delay="indefinite"/>
                       </p:stCondLst>
                       <p:childTnLst>
                         <p:par>
-                          <p:cTn id="27" fill="hold">
+                          <p:cTn id="22" fill="hold">
                             <p:stCondLst>
                               <p:cond delay="0"/>
                             </p:stCondLst>
                             <p:childTnLst>
                               <p:par>
-                                <p:cTn id="28" presetID="10" presetClass="entr" presetSubtype="0" fill="hold" nodeType="clickEffect">
+                                <p:cTn id="23" presetID="10" presetClass="entr" presetSubtype="0" fill="hold" nodeType="clickEffect">
                                   <p:stCondLst>
                                     <p:cond delay="0"/>
                                   </p:stCondLst>
                                   <p:childTnLst>
                                     <p:set>
                                       <p:cBhvr>
-                                        <p:cTn id="29" dur="1" fill="hold">
+                                        <p:cTn id="24" dur="1" fill="hold">
                                           <p:stCondLst>
                                             <p:cond delay="0"/>
                                           </p:stCondLst>
@@ -7035,7 +7025,7 @@
                                     </p:set>
                                     <p:animEffect transition="in" filter="fade">
                                       <p:cBhvr>
-                                        <p:cTn id="30" dur="500"/>
+                                        <p:cTn id="25" dur="500"/>
                                         <p:tgtEl>
                                           <p:spTgt spid="36"/>
                                         </p:tgtEl>
@@ -7048,20 +7038,20 @@
                           </p:cTn>
                         </p:par>
                         <p:par>
-                          <p:cTn id="31" fill="hold">
+                          <p:cTn id="26" fill="hold">
                             <p:stCondLst>
                               <p:cond delay="500"/>
                             </p:stCondLst>
                             <p:childTnLst>
                               <p:par>
-                                <p:cTn id="32" presetID="10" presetClass="entr" presetSubtype="0" fill="hold" nodeType="afterEffect">
+                                <p:cTn id="27" presetID="10" presetClass="entr" presetSubtype="0" fill="hold" nodeType="afterEffect">
                                   <p:stCondLst>
                                     <p:cond delay="0"/>
                                   </p:stCondLst>
                                   <p:childTnLst>
                                     <p:set>
                                       <p:cBhvr>
-                                        <p:cTn id="33" dur="1" fill="hold">
+                                        <p:cTn id="28" dur="1" fill="hold">
                                           <p:stCondLst>
                                             <p:cond delay="0"/>
                                           </p:stCondLst>
@@ -7079,7 +7069,7 @@
                                     </p:set>
                                     <p:animEffect transition="in" filter="fade">
                                       <p:cBhvr>
-                                        <p:cTn id="34" dur="500"/>
+                                        <p:cTn id="29" dur="500"/>
                                         <p:tgtEl>
                                           <p:spTgt spid="35"/>
                                         </p:tgtEl>
@@ -7092,20 +7082,20 @@
                           </p:cTn>
                         </p:par>
                         <p:par>
-                          <p:cTn id="35" fill="hold">
+                          <p:cTn id="30" fill="hold">
                             <p:stCondLst>
                               <p:cond delay="1000"/>
                             </p:stCondLst>
                             <p:childTnLst>
                               <p:par>
-                                <p:cTn id="36" presetID="10" presetClass="entr" presetSubtype="0" fill="hold" nodeType="afterEffect">
+                                <p:cTn id="31" presetID="10" presetClass="entr" presetSubtype="0" fill="hold" nodeType="afterEffect">
                                   <p:stCondLst>
                                     <p:cond delay="0"/>
                                   </p:stCondLst>
                                   <p:childTnLst>
                                     <p:set>
                                       <p:cBhvr>
-                                        <p:cTn id="37" dur="1" fill="hold">
+                                        <p:cTn id="32" dur="1" fill="hold">
                                           <p:stCondLst>
                                             <p:cond delay="0"/>
                                           </p:stCondLst>
@@ -7123,97 +7113,9 @@
                                     </p:set>
                                     <p:animEffect transition="in" filter="fade">
                                       <p:cBhvr>
-                                        <p:cTn id="38" dur="500"/>
+                                        <p:cTn id="33" dur="500"/>
                                         <p:tgtEl>
                                           <p:spTgt spid="3"/>
-                                        </p:tgtEl>
-                                      </p:cBhvr>
-                                    </p:animEffect>
-                                  </p:childTnLst>
-                                </p:cTn>
-                              </p:par>
-                            </p:childTnLst>
-                          </p:cTn>
-                        </p:par>
-                        <p:par>
-                          <p:cTn id="39" fill="hold">
-                            <p:stCondLst>
-                              <p:cond delay="1500"/>
-                            </p:stCondLst>
-                            <p:childTnLst>
-                              <p:par>
-                                <p:cTn id="40" presetID="10" presetClass="entr" presetSubtype="0" fill="hold" nodeType="afterEffect">
-                                  <p:stCondLst>
-                                    <p:cond delay="0"/>
-                                  </p:stCondLst>
-                                  <p:childTnLst>
-                                    <p:set>
-                                      <p:cBhvr>
-                                        <p:cTn id="41" dur="1" fill="hold">
-                                          <p:stCondLst>
-                                            <p:cond delay="0"/>
-                                          </p:stCondLst>
-                                        </p:cTn>
-                                        <p:tgtEl>
-                                          <p:spTgt spid="8"/>
-                                        </p:tgtEl>
-                                        <p:attrNameLst>
-                                          <p:attrName>style.visibility</p:attrName>
-                                        </p:attrNameLst>
-                                      </p:cBhvr>
-                                      <p:to>
-                                        <p:strVal val="visible"/>
-                                      </p:to>
-                                    </p:set>
-                                    <p:animEffect transition="in" filter="fade">
-                                      <p:cBhvr>
-                                        <p:cTn id="42" dur="500"/>
-                                        <p:tgtEl>
-                                          <p:spTgt spid="8"/>
-                                        </p:tgtEl>
-                                      </p:cBhvr>
-                                    </p:animEffect>
-                                  </p:childTnLst>
-                                </p:cTn>
-                              </p:par>
-                            </p:childTnLst>
-                          </p:cTn>
-                        </p:par>
-                        <p:par>
-                          <p:cTn id="43" fill="hold">
-                            <p:stCondLst>
-                              <p:cond delay="2000"/>
-                            </p:stCondLst>
-                            <p:childTnLst>
-                              <p:par>
-                                <p:cTn id="44" presetID="10" presetClass="entr" presetSubtype="0" fill="hold" nodeType="afterEffect">
-                                  <p:stCondLst>
-                                    <p:cond delay="0"/>
-                                  </p:stCondLst>
-                                  <p:childTnLst>
-                                    <p:set>
-                                      <p:cBhvr>
-                                        <p:cTn id="45" dur="1" fill="hold">
-                                          <p:stCondLst>
-                                            <p:cond delay="0"/>
-                                          </p:stCondLst>
-                                        </p:cTn>
-                                        <p:tgtEl>
-                                          <p:spTgt spid="12"/>
-                                        </p:tgtEl>
-                                        <p:attrNameLst>
-                                          <p:attrName>style.visibility</p:attrName>
-                                        </p:attrNameLst>
-                                      </p:cBhvr>
-                                      <p:to>
-                                        <p:strVal val="visible"/>
-                                      </p:to>
-                                    </p:set>
-                                    <p:animEffect transition="in" filter="fade">
-                                      <p:cBhvr>
-                                        <p:cTn id="46" dur="500"/>
-                                        <p:tgtEl>
-                                          <p:spTgt spid="12"/>
                                         </p:tgtEl>
                                       </p:cBhvr>
                                     </p:animEffect>
@@ -7227,26 +7129,26 @@
                     </p:cTn>
                   </p:par>
                   <p:par>
-                    <p:cTn id="47" fill="hold">
+                    <p:cTn id="34" fill="hold">
                       <p:stCondLst>
                         <p:cond delay="indefinite"/>
                       </p:stCondLst>
                       <p:childTnLst>
                         <p:par>
-                          <p:cTn id="48" fill="hold">
+                          <p:cTn id="35" fill="hold">
                             <p:stCondLst>
                               <p:cond delay="0"/>
                             </p:stCondLst>
                             <p:childTnLst>
                               <p:par>
-                                <p:cTn id="49" presetID="10" presetClass="entr" presetSubtype="0" fill="hold" nodeType="clickEffect">
+                                <p:cTn id="36" presetID="10" presetClass="entr" presetSubtype="0" fill="hold" nodeType="clickEffect">
                                   <p:stCondLst>
                                     <p:cond delay="0"/>
                                   </p:stCondLst>
                                   <p:childTnLst>
                                     <p:set>
                                       <p:cBhvr>
-                                        <p:cTn id="50" dur="1" fill="hold">
+                                        <p:cTn id="37" dur="1" fill="hold">
                                           <p:stCondLst>
                                             <p:cond delay="0"/>
                                           </p:stCondLst>
@@ -7264,7 +7166,7 @@
                                     </p:set>
                                     <p:animEffect transition="in" filter="fade">
                                       <p:cBhvr>
-                                        <p:cTn id="51" dur="500"/>
+                                        <p:cTn id="38" dur="500"/>
                                         <p:tgtEl>
                                           <p:spTgt spid="90"/>
                                         </p:tgtEl>
@@ -7277,20 +7179,20 @@
                           </p:cTn>
                         </p:par>
                         <p:par>
-                          <p:cTn id="52" fill="hold">
+                          <p:cTn id="39" fill="hold">
                             <p:stCondLst>
                               <p:cond delay="500"/>
                             </p:stCondLst>
                             <p:childTnLst>
                               <p:par>
-                                <p:cTn id="53" presetID="10" presetClass="entr" presetSubtype="0" fill="hold" nodeType="afterEffect">
+                                <p:cTn id="40" presetID="10" presetClass="entr" presetSubtype="0" fill="hold" nodeType="afterEffect">
                                   <p:stCondLst>
                                     <p:cond delay="0"/>
                                   </p:stCondLst>
                                   <p:childTnLst>
                                     <p:set>
                                       <p:cBhvr>
-                                        <p:cTn id="54" dur="1" fill="hold">
+                                        <p:cTn id="41" dur="1" fill="hold">
                                           <p:stCondLst>
                                             <p:cond delay="0"/>
                                           </p:stCondLst>
@@ -7308,7 +7210,7 @@
                                     </p:set>
                                     <p:animEffect transition="in" filter="fade">
                                       <p:cBhvr>
-                                        <p:cTn id="55" dur="500"/>
+                                        <p:cTn id="42" dur="500"/>
                                         <p:tgtEl>
                                           <p:spTgt spid="46"/>
                                         </p:tgtEl>
@@ -7324,26 +7226,26 @@
                     </p:cTn>
                   </p:par>
                   <p:par>
-                    <p:cTn id="56" fill="hold">
+                    <p:cTn id="43" fill="hold">
                       <p:stCondLst>
                         <p:cond delay="indefinite"/>
                       </p:stCondLst>
                       <p:childTnLst>
                         <p:par>
-                          <p:cTn id="57" fill="hold">
+                          <p:cTn id="44" fill="hold">
                             <p:stCondLst>
                               <p:cond delay="0"/>
                             </p:stCondLst>
                             <p:childTnLst>
                               <p:par>
-                                <p:cTn id="58" presetID="10" presetClass="entr" presetSubtype="0" fill="hold" nodeType="clickEffect">
+                                <p:cTn id="45" presetID="10" presetClass="entr" presetSubtype="0" fill="hold" nodeType="clickEffect">
                                   <p:stCondLst>
                                     <p:cond delay="0"/>
                                   </p:stCondLst>
                                   <p:childTnLst>
                                     <p:set>
                                       <p:cBhvr>
-                                        <p:cTn id="59" dur="1" fill="hold">
+                                        <p:cTn id="46" dur="1" fill="hold">
                                           <p:stCondLst>
                                             <p:cond delay="0"/>
                                           </p:stCondLst>
@@ -7361,53 +7263,9 @@
                                     </p:set>
                                     <p:animEffect transition="in" filter="fade">
                                       <p:cBhvr>
-                                        <p:cTn id="60" dur="500"/>
+                                        <p:cTn id="47" dur="500"/>
                                         <p:tgtEl>
                                           <p:spTgt spid="74"/>
-                                        </p:tgtEl>
-                                      </p:cBhvr>
-                                    </p:animEffect>
-                                  </p:childTnLst>
-                                </p:cTn>
-                              </p:par>
-                            </p:childTnLst>
-                          </p:cTn>
-                        </p:par>
-                        <p:par>
-                          <p:cTn id="61" fill="hold">
-                            <p:stCondLst>
-                              <p:cond delay="500"/>
-                            </p:stCondLst>
-                            <p:childTnLst>
-                              <p:par>
-                                <p:cTn id="62" presetID="10" presetClass="entr" presetSubtype="0" fill="hold" nodeType="afterEffect">
-                                  <p:stCondLst>
-                                    <p:cond delay="0"/>
-                                  </p:stCondLst>
-                                  <p:childTnLst>
-                                    <p:set>
-                                      <p:cBhvr>
-                                        <p:cTn id="63" dur="1" fill="hold">
-                                          <p:stCondLst>
-                                            <p:cond delay="0"/>
-                                          </p:stCondLst>
-                                        </p:cTn>
-                                        <p:tgtEl>
-                                          <p:spTgt spid="24"/>
-                                        </p:tgtEl>
-                                        <p:attrNameLst>
-                                          <p:attrName>style.visibility</p:attrName>
-                                        </p:attrNameLst>
-                                      </p:cBhvr>
-                                      <p:to>
-                                        <p:strVal val="visible"/>
-                                      </p:to>
-                                    </p:set>
-                                    <p:animEffect transition="in" filter="fade">
-                                      <p:cBhvr>
-                                        <p:cTn id="64" dur="500"/>
-                                        <p:tgtEl>
-                                          <p:spTgt spid="24"/>
                                         </p:tgtEl>
                                       </p:cBhvr>
                                     </p:animEffect>
@@ -7421,26 +7279,26 @@
                     </p:cTn>
                   </p:par>
                   <p:par>
-                    <p:cTn id="65" fill="hold">
+                    <p:cTn id="48" fill="hold">
                       <p:stCondLst>
                         <p:cond delay="indefinite"/>
                       </p:stCondLst>
                       <p:childTnLst>
                         <p:par>
-                          <p:cTn id="66" fill="hold">
+                          <p:cTn id="49" fill="hold">
                             <p:stCondLst>
                               <p:cond delay="0"/>
                             </p:stCondLst>
                             <p:childTnLst>
                               <p:par>
-                                <p:cTn id="67" presetID="10" presetClass="entr" presetSubtype="0" fill="hold" nodeType="clickEffect">
+                                <p:cTn id="50" presetID="10" presetClass="entr" presetSubtype="0" fill="hold" nodeType="clickEffect">
                                   <p:stCondLst>
                                     <p:cond delay="0"/>
                                   </p:stCondLst>
                                   <p:childTnLst>
                                     <p:set>
                                       <p:cBhvr>
-                                        <p:cTn id="68" dur="1" fill="hold">
+                                        <p:cTn id="51" dur="1" fill="hold">
                                           <p:stCondLst>
                                             <p:cond delay="0"/>
                                           </p:stCondLst>
@@ -7458,7 +7316,7 @@
                                     </p:set>
                                     <p:animEffect transition="in" filter="fade">
                                       <p:cBhvr>
-                                        <p:cTn id="69" dur="500"/>
+                                        <p:cTn id="52" dur="500"/>
                                         <p:tgtEl>
                                           <p:spTgt spid="73"/>
                                         </p:tgtEl>
@@ -7471,20 +7329,20 @@
                           </p:cTn>
                         </p:par>
                         <p:par>
-                          <p:cTn id="70" fill="hold">
+                          <p:cTn id="53" fill="hold">
                             <p:stCondLst>
                               <p:cond delay="500"/>
                             </p:stCondLst>
                             <p:childTnLst>
                               <p:par>
-                                <p:cTn id="71" presetID="10" presetClass="entr" presetSubtype="0" fill="hold" nodeType="afterEffect">
+                                <p:cTn id="54" presetID="10" presetClass="entr" presetSubtype="0" fill="hold" nodeType="afterEffect">
                                   <p:stCondLst>
                                     <p:cond delay="0"/>
                                   </p:stCondLst>
                                   <p:childTnLst>
                                     <p:set>
                                       <p:cBhvr>
-                                        <p:cTn id="72" dur="1" fill="hold">
+                                        <p:cTn id="55" dur="1" fill="hold">
                                           <p:stCondLst>
                                             <p:cond delay="0"/>
                                           </p:stCondLst>
@@ -7502,9 +7360,53 @@
                                     </p:set>
                                     <p:animEffect transition="in" filter="fade">
                                       <p:cBhvr>
-                                        <p:cTn id="73" dur="500"/>
+                                        <p:cTn id="56" dur="500"/>
                                         <p:tgtEl>
                                           <p:spTgt spid="66"/>
+                                        </p:tgtEl>
+                                      </p:cBhvr>
+                                    </p:animEffect>
+                                  </p:childTnLst>
+                                </p:cTn>
+                              </p:par>
+                            </p:childTnLst>
+                          </p:cTn>
+                        </p:par>
+                        <p:par>
+                          <p:cTn id="57" fill="hold">
+                            <p:stCondLst>
+                              <p:cond delay="1000"/>
+                            </p:stCondLst>
+                            <p:childTnLst>
+                              <p:par>
+                                <p:cTn id="58" presetID="10" presetClass="entr" presetSubtype="0" fill="hold" nodeType="afterEffect">
+                                  <p:stCondLst>
+                                    <p:cond delay="0"/>
+                                  </p:stCondLst>
+                                  <p:childTnLst>
+                                    <p:set>
+                                      <p:cBhvr>
+                                        <p:cTn id="59" dur="1" fill="hold">
+                                          <p:stCondLst>
+                                            <p:cond delay="0"/>
+                                          </p:stCondLst>
+                                        </p:cTn>
+                                        <p:tgtEl>
+                                          <p:spTgt spid="34"/>
+                                        </p:tgtEl>
+                                        <p:attrNameLst>
+                                          <p:attrName>style.visibility</p:attrName>
+                                        </p:attrNameLst>
+                                      </p:cBhvr>
+                                      <p:to>
+                                        <p:strVal val="visible"/>
+                                      </p:to>
+                                    </p:set>
+                                    <p:animEffect transition="in" filter="fade">
+                                      <p:cBhvr>
+                                        <p:cTn id="60" dur="500"/>
+                                        <p:tgtEl>
+                                          <p:spTgt spid="34"/>
                                         </p:tgtEl>
                                       </p:cBhvr>
                                     </p:animEffect>
